--- a/bayfield-webinar-1-slides.pptx
+++ b/bayfield-webinar-1-slides.pptx
@@ -6,17 +6,14 @@
   </p:sldMasterIdLst>
   <p:sldIdLst>
     <p:sldId id="256" r:id="rId2"/>
-    <p:sldId id="259" r:id="rId3"/>
-    <p:sldId id="257" r:id="rId4"/>
-    <p:sldId id="260" r:id="rId5"/>
-    <p:sldId id="261" r:id="rId6"/>
-    <p:sldId id="262" r:id="rId7"/>
-    <p:sldId id="263" r:id="rId8"/>
-    <p:sldId id="264" r:id="rId9"/>
-    <p:sldId id="265" r:id="rId10"/>
-    <p:sldId id="267" r:id="rId11"/>
-    <p:sldId id="266" r:id="rId12"/>
-    <p:sldId id="268" r:id="rId13"/>
+    <p:sldId id="257" r:id="rId3"/>
+    <p:sldId id="259" r:id="rId4"/>
+    <p:sldId id="269" r:id="rId5"/>
+    <p:sldId id="260" r:id="rId6"/>
+    <p:sldId id="270" r:id="rId7"/>
+    <p:sldId id="271" r:id="rId8"/>
+    <p:sldId id="265" r:id="rId9"/>
+    <p:sldId id="266" r:id="rId10"/>
   </p:sldIdLst>
   <p:sldSz cx="12192000" cy="6858000"/>
   <p:notesSz cx="6858000" cy="9144000"/>
@@ -115,7 +112,20 @@
       </a:defRPr>
     </a:lvl9pPr>
   </p:defaultTextStyle>
+  <p:extLst>
+    <p:ext uri="{EFAFB233-063F-42B5-8137-9DF3F51BA10A}">
+      <p15:sldGuideLst xmlns:p15="http://schemas.microsoft.com/office/powerpoint/2012/main"/>
+    </p:ext>
+  </p:extLst>
 </p:presentation>
+</file>
+
+<file path=ppt/revisionInfo.xml><?xml version="1.0" encoding="utf-8"?>
+<p1510:revInfo xmlns:a="http://schemas.openxmlformats.org/drawingml/2006/main" xmlns:r="http://schemas.openxmlformats.org/officeDocument/2006/relationships" xmlns:p1510="http://schemas.microsoft.com/office/powerpoint/2015/10/main">
+  <p1510:revLst>
+    <p1510:client id="{83EA4627-628D-488A-ABB0-8D8A0D83E1CF}" v="16" dt="2025-10-20T15:12:16.691"/>
+  </p1510:revLst>
+</p1510:revInfo>
 </file>
 
 <file path=ppt/slideLayouts/slideLayout1.xml><?xml version="1.0" encoding="utf-8"?>
@@ -265,7 +275,7 @@
           <a:p>
             <a:fld id="{602FE6B1-C9C4-451D-9713-5A2B4DE0852D}" type="datetimeFigureOut">
               <a:rPr lang="en-US" smtClean="0"/>
-              <a:t>9/23/2025</a:t>
+              <a:t>10/20/2025</a:t>
             </a:fld>
             <a:endParaRPr lang="en-US"/>
           </a:p>
@@ -463,7 +473,7 @@
           <a:p>
             <a:fld id="{602FE6B1-C9C4-451D-9713-5A2B4DE0852D}" type="datetimeFigureOut">
               <a:rPr lang="en-US" smtClean="0"/>
-              <a:t>9/23/2025</a:t>
+              <a:t>10/20/2025</a:t>
             </a:fld>
             <a:endParaRPr lang="en-US"/>
           </a:p>
@@ -671,7 +681,7 @@
           <a:p>
             <a:fld id="{602FE6B1-C9C4-451D-9713-5A2B4DE0852D}" type="datetimeFigureOut">
               <a:rPr lang="en-US" smtClean="0"/>
-              <a:t>9/23/2025</a:t>
+              <a:t>10/20/2025</a:t>
             </a:fld>
             <a:endParaRPr lang="en-US"/>
           </a:p>
@@ -869,7 +879,7 @@
           <a:p>
             <a:fld id="{602FE6B1-C9C4-451D-9713-5A2B4DE0852D}" type="datetimeFigureOut">
               <a:rPr lang="en-US" smtClean="0"/>
-              <a:t>9/23/2025</a:t>
+              <a:t>10/20/2025</a:t>
             </a:fld>
             <a:endParaRPr lang="en-US"/>
           </a:p>
@@ -1144,7 +1154,7 @@
           <a:p>
             <a:fld id="{602FE6B1-C9C4-451D-9713-5A2B4DE0852D}" type="datetimeFigureOut">
               <a:rPr lang="en-US" smtClean="0"/>
-              <a:t>9/23/2025</a:t>
+              <a:t>10/20/2025</a:t>
             </a:fld>
             <a:endParaRPr lang="en-US"/>
           </a:p>
@@ -1409,7 +1419,7 @@
           <a:p>
             <a:fld id="{602FE6B1-C9C4-451D-9713-5A2B4DE0852D}" type="datetimeFigureOut">
               <a:rPr lang="en-US" smtClean="0"/>
-              <a:t>9/23/2025</a:t>
+              <a:t>10/20/2025</a:t>
             </a:fld>
             <a:endParaRPr lang="en-US"/>
           </a:p>
@@ -1821,7 +1831,7 @@
           <a:p>
             <a:fld id="{602FE6B1-C9C4-451D-9713-5A2B4DE0852D}" type="datetimeFigureOut">
               <a:rPr lang="en-US" smtClean="0"/>
-              <a:t>9/23/2025</a:t>
+              <a:t>10/20/2025</a:t>
             </a:fld>
             <a:endParaRPr lang="en-US"/>
           </a:p>
@@ -1962,7 +1972,7 @@
           <a:p>
             <a:fld id="{602FE6B1-C9C4-451D-9713-5A2B4DE0852D}" type="datetimeFigureOut">
               <a:rPr lang="en-US" smtClean="0"/>
-              <a:t>9/23/2025</a:t>
+              <a:t>10/20/2025</a:t>
             </a:fld>
             <a:endParaRPr lang="en-US"/>
           </a:p>
@@ -2075,7 +2085,7 @@
           <a:p>
             <a:fld id="{602FE6B1-C9C4-451D-9713-5A2B4DE0852D}" type="datetimeFigureOut">
               <a:rPr lang="en-US" smtClean="0"/>
-              <a:t>9/23/2025</a:t>
+              <a:t>10/20/2025</a:t>
             </a:fld>
             <a:endParaRPr lang="en-US"/>
           </a:p>
@@ -2386,7 +2396,7 @@
           <a:p>
             <a:fld id="{602FE6B1-C9C4-451D-9713-5A2B4DE0852D}" type="datetimeFigureOut">
               <a:rPr lang="en-US" smtClean="0"/>
-              <a:t>9/23/2025</a:t>
+              <a:t>10/20/2025</a:t>
             </a:fld>
             <a:endParaRPr lang="en-US"/>
           </a:p>
@@ -2674,7 +2684,7 @@
           <a:p>
             <a:fld id="{602FE6B1-C9C4-451D-9713-5A2B4DE0852D}" type="datetimeFigureOut">
               <a:rPr lang="en-US" smtClean="0"/>
-              <a:t>9/23/2025</a:t>
+              <a:t>10/20/2025</a:t>
             </a:fld>
             <a:endParaRPr lang="en-US"/>
           </a:p>
@@ -2915,7 +2925,7 @@
           <a:p>
             <a:fld id="{602FE6B1-C9C4-451D-9713-5A2B4DE0852D}" type="datetimeFigureOut">
               <a:rPr lang="en-US" smtClean="0"/>
-              <a:t>9/23/2025</a:t>
+              <a:t>10/20/2025</a:t>
             </a:fld>
             <a:endParaRPr lang="en-US"/>
           </a:p>
@@ -3350,12 +3360,14 @@
         </p:nvSpPr>
         <p:spPr/>
         <p:txBody>
-          <a:bodyPr/>
+          <a:bodyPr>
+            <a:normAutofit fontScale="90000"/>
+          </a:bodyPr>
           <a:lstStyle/>
           <a:p>
             <a:r>
               <a:rPr lang="en-US" dirty="0"/>
-              <a:t>Building a Real Estate Dashboard</a:t>
+              <a:t>Cleaning and Transforming Real Estate Data in Power Query</a:t>
             </a:r>
           </a:p>
         </p:txBody>
@@ -3389,305 +3401,6 @@
     <p:extLst>
       <p:ext uri="{BB962C8B-B14F-4D97-AF65-F5344CB8AC3E}">
         <p14:creationId xmlns:p14="http://schemas.microsoft.com/office/powerpoint/2010/main" val="1575968289"/>
-      </p:ext>
-    </p:extLst>
-  </p:cSld>
-  <p:clrMapOvr>
-    <a:masterClrMapping/>
-  </p:clrMapOvr>
-</p:sld>
-</file>
-
-<file path=ppt/slides/slide10.xml><?xml version="1.0" encoding="utf-8"?>
-<p:sld xmlns:a="http://schemas.openxmlformats.org/drawingml/2006/main" xmlns:r="http://schemas.openxmlformats.org/officeDocument/2006/relationships" xmlns:p="http://schemas.openxmlformats.org/presentationml/2006/main">
-  <p:cSld>
-    <p:spTree>
-      <p:nvGrpSpPr>
-        <p:cNvPr id="1" name="">
-          <a:extLst>
-            <a:ext uri="{FF2B5EF4-FFF2-40B4-BE49-F238E27FC236}">
-              <a16:creationId xmlns:a16="http://schemas.microsoft.com/office/drawing/2014/main" id="{B3C1EC8B-94C9-305D-6D15-5DE066181810}"/>
-            </a:ext>
-          </a:extLst>
-        </p:cNvPr>
-        <p:cNvGrpSpPr/>
-        <p:nvPr/>
-      </p:nvGrpSpPr>
-      <p:grpSpPr>
-        <a:xfrm>
-          <a:off x="0" y="0"/>
-          <a:ext cx="0" cy="0"/>
-          <a:chOff x="0" y="0"/>
-          <a:chExt cx="0" cy="0"/>
-        </a:xfrm>
-      </p:grpSpPr>
-      <p:sp>
-        <p:nvSpPr>
-          <p:cNvPr id="2" name="Title 1">
-            <a:extLst>
-              <a:ext uri="{FF2B5EF4-FFF2-40B4-BE49-F238E27FC236}">
-                <a16:creationId xmlns:a16="http://schemas.microsoft.com/office/drawing/2014/main" id="{1D6A81B8-207E-EFF8-8EED-B2E156625908}"/>
-              </a:ext>
-            </a:extLst>
-          </p:cNvPr>
-          <p:cNvSpPr>
-            <a:spLocks noGrp="1"/>
-          </p:cNvSpPr>
-          <p:nvPr>
-            <p:ph type="title"/>
-          </p:nvPr>
-        </p:nvSpPr>
-        <p:spPr/>
-        <p:txBody>
-          <a:bodyPr/>
-          <a:lstStyle/>
-          <a:p>
-            <a:r>
-              <a:rPr lang="en-US" dirty="0"/>
-              <a:t>What questions do you have?</a:t>
-            </a:r>
-            <a:endParaRPr dirty="0"/>
-          </a:p>
-        </p:txBody>
-      </p:sp>
-      <p:sp>
-        <p:nvSpPr>
-          <p:cNvPr id="3" name="Content Placeholder 2">
-            <a:extLst>
-              <a:ext uri="{FF2B5EF4-FFF2-40B4-BE49-F238E27FC236}">
-                <a16:creationId xmlns:a16="http://schemas.microsoft.com/office/drawing/2014/main" id="{7B1A48B2-34A4-E048-182F-7DC9249D667E}"/>
-              </a:ext>
-            </a:extLst>
-          </p:cNvPr>
-          <p:cNvSpPr>
-            <a:spLocks noGrp="1"/>
-          </p:cNvSpPr>
-          <p:nvPr>
-            <p:ph idx="1"/>
-          </p:nvPr>
-        </p:nvSpPr>
-        <p:spPr/>
-        <p:txBody>
-          <a:bodyPr/>
-          <a:lstStyle/>
-          <a:p>
-            <a:endParaRPr dirty="0"/>
-          </a:p>
-        </p:txBody>
-      </p:sp>
-    </p:spTree>
-    <p:extLst>
-      <p:ext uri="{BB962C8B-B14F-4D97-AF65-F5344CB8AC3E}">
-        <p14:creationId xmlns:p14="http://schemas.microsoft.com/office/powerpoint/2010/main" val="1329863928"/>
-      </p:ext>
-    </p:extLst>
-  </p:cSld>
-  <p:clrMapOvr>
-    <a:masterClrMapping/>
-  </p:clrMapOvr>
-</p:sld>
-</file>
-
-<file path=ppt/slides/slide11.xml><?xml version="1.0" encoding="utf-8"?>
-<p:sld xmlns:a="http://schemas.openxmlformats.org/drawingml/2006/main" xmlns:r="http://schemas.openxmlformats.org/officeDocument/2006/relationships" xmlns:p="http://schemas.openxmlformats.org/presentationml/2006/main">
-  <p:cSld>
-    <p:spTree>
-      <p:nvGrpSpPr>
-        <p:cNvPr id="1" name="">
-          <a:extLst>
-            <a:ext uri="{FF2B5EF4-FFF2-40B4-BE49-F238E27FC236}">
-              <a16:creationId xmlns:a16="http://schemas.microsoft.com/office/drawing/2014/main" id="{EE47D4E5-D953-E6DC-1439-DFA61E55BE92}"/>
-            </a:ext>
-          </a:extLst>
-        </p:cNvPr>
-        <p:cNvGrpSpPr/>
-        <p:nvPr/>
-      </p:nvGrpSpPr>
-      <p:grpSpPr>
-        <a:xfrm>
-          <a:off x="0" y="0"/>
-          <a:ext cx="0" cy="0"/>
-          <a:chOff x="0" y="0"/>
-          <a:chExt cx="0" cy="0"/>
-        </a:xfrm>
-      </p:grpSpPr>
-      <p:sp>
-        <p:nvSpPr>
-          <p:cNvPr id="2" name="Title 1">
-            <a:extLst>
-              <a:ext uri="{FF2B5EF4-FFF2-40B4-BE49-F238E27FC236}">
-                <a16:creationId xmlns:a16="http://schemas.microsoft.com/office/drawing/2014/main" id="{C494DBF6-0435-D370-16EC-70DE83247270}"/>
-              </a:ext>
-            </a:extLst>
-          </p:cNvPr>
-          <p:cNvSpPr>
-            <a:spLocks noGrp="1"/>
-          </p:cNvSpPr>
-          <p:nvPr>
-            <p:ph type="title"/>
-          </p:nvPr>
-        </p:nvSpPr>
-        <p:spPr/>
-        <p:txBody>
-          <a:bodyPr/>
-          <a:lstStyle/>
-          <a:p>
-            <a:r>
-              <a:rPr lang="en-US" dirty="0"/>
-              <a:t>Let’s Connect</a:t>
-            </a:r>
-            <a:endParaRPr dirty="0"/>
-          </a:p>
-        </p:txBody>
-      </p:sp>
-      <p:sp>
-        <p:nvSpPr>
-          <p:cNvPr id="3" name="Content Placeholder 2">
-            <a:extLst>
-              <a:ext uri="{FF2B5EF4-FFF2-40B4-BE49-F238E27FC236}">
-                <a16:creationId xmlns:a16="http://schemas.microsoft.com/office/drawing/2014/main" id="{053C7930-F1FD-05F0-D0EC-440FC1495750}"/>
-              </a:ext>
-            </a:extLst>
-          </p:cNvPr>
-          <p:cNvSpPr>
-            <a:spLocks noGrp="1"/>
-          </p:cNvSpPr>
-          <p:nvPr>
-            <p:ph idx="1"/>
-          </p:nvPr>
-        </p:nvSpPr>
-        <p:spPr/>
-        <p:txBody>
-          <a:bodyPr/>
-          <a:lstStyle/>
-          <a:p>
-            <a:pPr marL="0" indent="0">
-              <a:buNone/>
-            </a:pPr>
-            <a:r>
-              <a:rPr lang="en-US" dirty="0"/>
-              <a:t>📩 </a:t>
-            </a:r>
-            <a:r>
-              <a:rPr lang="en-US" b="1" dirty="0"/>
-              <a:t>george@stringfestanalytics.com</a:t>
-            </a:r>
-            <a:br>
-              <a:rPr lang="en-US" dirty="0"/>
-            </a:br>
-            <a:r>
-              <a:rPr lang="en-US" dirty="0"/>
-              <a:t>🔗 </a:t>
-            </a:r>
-            <a:r>
-              <a:rPr lang="en-US" b="1" dirty="0"/>
-              <a:t>linkedin.com/in/</a:t>
-            </a:r>
-            <a:r>
-              <a:rPr lang="en-US" b="1" dirty="0" err="1"/>
-              <a:t>gjmount</a:t>
-            </a:r>
-            <a:endParaRPr lang="en-US" dirty="0"/>
-          </a:p>
-        </p:txBody>
-      </p:sp>
-    </p:spTree>
-    <p:extLst>
-      <p:ext uri="{BB962C8B-B14F-4D97-AF65-F5344CB8AC3E}">
-        <p14:creationId xmlns:p14="http://schemas.microsoft.com/office/powerpoint/2010/main" val="2036694494"/>
-      </p:ext>
-    </p:extLst>
-  </p:cSld>
-  <p:clrMapOvr>
-    <a:masterClrMapping/>
-  </p:clrMapOvr>
-</p:sld>
-</file>
-
-<file path=ppt/slides/slide12.xml><?xml version="1.0" encoding="utf-8"?>
-<p:sld xmlns:a="http://schemas.openxmlformats.org/drawingml/2006/main" xmlns:r="http://schemas.openxmlformats.org/officeDocument/2006/relationships" xmlns:p="http://schemas.openxmlformats.org/presentationml/2006/main">
-  <p:cSld>
-    <p:spTree>
-      <p:nvGrpSpPr>
-        <p:cNvPr id="1" name="">
-          <a:extLst>
-            <a:ext uri="{FF2B5EF4-FFF2-40B4-BE49-F238E27FC236}">
-              <a16:creationId xmlns:a16="http://schemas.microsoft.com/office/drawing/2014/main" id="{DEC5D413-706D-1E52-37F8-460B27D21FE4}"/>
-            </a:ext>
-          </a:extLst>
-        </p:cNvPr>
-        <p:cNvGrpSpPr/>
-        <p:nvPr/>
-      </p:nvGrpSpPr>
-      <p:grpSpPr>
-        <a:xfrm>
-          <a:off x="0" y="0"/>
-          <a:ext cx="0" cy="0"/>
-          <a:chOff x="0" y="0"/>
-          <a:chExt cx="0" cy="0"/>
-        </a:xfrm>
-      </p:grpSpPr>
-      <p:sp>
-        <p:nvSpPr>
-          <p:cNvPr id="2" name="Title 1">
-            <a:extLst>
-              <a:ext uri="{FF2B5EF4-FFF2-40B4-BE49-F238E27FC236}">
-                <a16:creationId xmlns:a16="http://schemas.microsoft.com/office/drawing/2014/main" id="{C9E8A423-1213-DF6C-7AB2-612533FEE7D6}"/>
-              </a:ext>
-            </a:extLst>
-          </p:cNvPr>
-          <p:cNvSpPr>
-            <a:spLocks noGrp="1"/>
-          </p:cNvSpPr>
-          <p:nvPr>
-            <p:ph type="title"/>
-          </p:nvPr>
-        </p:nvSpPr>
-        <p:spPr/>
-        <p:txBody>
-          <a:bodyPr/>
-          <a:lstStyle/>
-          <a:p>
-            <a:r>
-              <a:rPr lang="en-US" dirty="0"/>
-              <a:t>Thank You!</a:t>
-            </a:r>
-            <a:endParaRPr dirty="0"/>
-          </a:p>
-        </p:txBody>
-      </p:sp>
-      <p:sp>
-        <p:nvSpPr>
-          <p:cNvPr id="3" name="Content Placeholder 2">
-            <a:extLst>
-              <a:ext uri="{FF2B5EF4-FFF2-40B4-BE49-F238E27FC236}">
-                <a16:creationId xmlns:a16="http://schemas.microsoft.com/office/drawing/2014/main" id="{F16E5B8F-2C80-F38E-209F-0D15537D1BC6}"/>
-              </a:ext>
-            </a:extLst>
-          </p:cNvPr>
-          <p:cNvSpPr>
-            <a:spLocks noGrp="1"/>
-          </p:cNvSpPr>
-          <p:nvPr>
-            <p:ph idx="1"/>
-          </p:nvPr>
-        </p:nvSpPr>
-        <p:spPr/>
-        <p:txBody>
-          <a:bodyPr/>
-          <a:lstStyle/>
-          <a:p>
-            <a:pPr marL="0" indent="0">
-              <a:buNone/>
-            </a:pPr>
-            <a:endParaRPr lang="en-US" dirty="0"/>
-          </a:p>
-        </p:txBody>
-      </p:sp>
-    </p:spTree>
-    <p:extLst>
-      <p:ext uri="{BB962C8B-B14F-4D97-AF65-F5344CB8AC3E}">
-        <p14:creationId xmlns:p14="http://schemas.microsoft.com/office/powerpoint/2010/main" val="1102330002"/>
       </p:ext>
     </p:extLst>
   </p:cSld>
@@ -3716,7 +3429,13 @@
       </p:grpSpPr>
       <p:sp>
         <p:nvSpPr>
-          <p:cNvPr id="2" name="Title 1"/>
+          <p:cNvPr id="2" name="Title 1">
+            <a:extLst>
+              <a:ext uri="{FF2B5EF4-FFF2-40B4-BE49-F238E27FC236}">
+                <a16:creationId xmlns:a16="http://schemas.microsoft.com/office/drawing/2014/main" id="{71C7F19A-877F-EF3C-2719-E683B58EEF17}"/>
+              </a:ext>
+            </a:extLst>
+          </p:cNvPr>
           <p:cNvSpPr>
             <a:spLocks noGrp="1"/>
           </p:cNvSpPr>
@@ -3730,14 +3449,21 @@
           <a:lstStyle/>
           <a:p>
             <a:r>
-              <a:t>Agenda</a:t>
-            </a:r>
-          </a:p>
-        </p:txBody>
-      </p:sp>
-      <p:sp>
-        <p:nvSpPr>
-          <p:cNvPr id="3" name="Content Placeholder 2"/>
+              <a:rPr lang="en-US" dirty="0"/>
+              <a:t>About Me</a:t>
+            </a:r>
+          </a:p>
+        </p:txBody>
+      </p:sp>
+      <p:sp>
+        <p:nvSpPr>
+          <p:cNvPr id="3" name="Content Placeholder 2">
+            <a:extLst>
+              <a:ext uri="{FF2B5EF4-FFF2-40B4-BE49-F238E27FC236}">
+                <a16:creationId xmlns:a16="http://schemas.microsoft.com/office/drawing/2014/main" id="{2765B945-A7C6-57CC-0C16-5619589E3765}"/>
+              </a:ext>
+            </a:extLst>
+          </p:cNvPr>
           <p:cNvSpPr>
             <a:spLocks noGrp="1"/>
           </p:cNvSpPr>
@@ -3750,44 +3476,59 @@
           <a:bodyPr/>
           <a:lstStyle/>
           <a:p>
-            <a:pPr marL="0" indent="0">
-              <a:buNone/>
-            </a:pPr>
-            <a:r>
-              <a:rPr dirty="0"/>
-              <a:t>1. Clean and prepare tenancy data</a:t>
-            </a:r>
-          </a:p>
-          <a:p>
-            <a:pPr marL="0" indent="0">
-              <a:buNone/>
-            </a:pPr>
-            <a:r>
-              <a:rPr dirty="0"/>
-              <a:t>2. Build core KPIs</a:t>
-            </a:r>
-          </a:p>
-          <a:p>
-            <a:pPr marL="0" indent="0">
-              <a:buNone/>
-            </a:pPr>
-            <a:r>
-              <a:rPr dirty="0"/>
-              <a:t>3. Add interactivity and visuals</a:t>
-            </a:r>
-          </a:p>
-          <a:p>
-            <a:pPr marL="0" indent="0">
-              <a:buNone/>
-            </a:pPr>
-            <a:r>
-              <a:rPr dirty="0"/>
-              <a:t>4. Bring it together into a dashboard</a:t>
+            <a:r>
+              <a:rPr lang="en-US" dirty="0"/>
+              <a:t>Microsoft Excel MVP and LinkedIn Learning Instructor</a:t>
+            </a:r>
+          </a:p>
+          <a:p>
+            <a:r>
+              <a:rPr lang="en-US" dirty="0"/>
+              <a:t>Author of </a:t>
+            </a:r>
+            <a:r>
+              <a:rPr lang="en-US" i="1" dirty="0"/>
+              <a:t>Modern Data Analytics in Excel</a:t>
+            </a:r>
+            <a:r>
+              <a:rPr lang="en-US" dirty="0"/>
+              <a:t> (O’Reilly)</a:t>
+            </a:r>
+          </a:p>
+          <a:p>
+            <a:r>
+              <a:rPr lang="en-US" dirty="0"/>
+              <a:t>Trainer and consultant for Fortune 500 firms, banks, and real estate professionals</a:t>
+            </a:r>
+          </a:p>
+          <a:p>
+            <a:r>
+              <a:rPr lang="en-US" dirty="0"/>
+              <a:t>Speaker at Global Excel Summit and other major conferences</a:t>
+            </a:r>
+          </a:p>
+          <a:p>
+            <a:r>
+              <a:rPr lang="en-US" dirty="0"/>
+              <a:t>Founder of </a:t>
+            </a:r>
+            <a:r>
+              <a:rPr lang="en-US" dirty="0" err="1"/>
+              <a:t>Stringfest</a:t>
+            </a:r>
+            <a:r>
+              <a:rPr lang="en-US" dirty="0"/>
+              <a:t> Analytics, helping professionals turn data into clarity and insight</a:t>
             </a:r>
           </a:p>
         </p:txBody>
       </p:sp>
     </p:spTree>
+    <p:extLst>
+      <p:ext uri="{BB962C8B-B14F-4D97-AF65-F5344CB8AC3E}">
+        <p14:creationId xmlns:p14="http://schemas.microsoft.com/office/powerpoint/2010/main" val="668339054"/>
+      </p:ext>
+    </p:extLst>
   </p:cSld>
   <p:clrMapOvr>
     <a:masterClrMapping/>
@@ -3814,13 +3555,7 @@
       </p:grpSpPr>
       <p:sp>
         <p:nvSpPr>
-          <p:cNvPr id="2" name="Title 1">
-            <a:extLst>
-              <a:ext uri="{FF2B5EF4-FFF2-40B4-BE49-F238E27FC236}">
-                <a16:creationId xmlns:a16="http://schemas.microsoft.com/office/drawing/2014/main" id="{71C7F19A-877F-EF3C-2719-E683B58EEF17}"/>
-              </a:ext>
-            </a:extLst>
-          </p:cNvPr>
+          <p:cNvPr id="2" name="Title 1"/>
           <p:cNvSpPr>
             <a:spLocks noGrp="1"/>
           </p:cNvSpPr>
@@ -3834,86 +3569,73 @@
           <a:lstStyle/>
           <a:p>
             <a:r>
+              <a:t>Agenda</a:t>
+            </a:r>
+          </a:p>
+        </p:txBody>
+      </p:sp>
+      <p:sp>
+        <p:nvSpPr>
+          <p:cNvPr id="3" name="Content Placeholder 2"/>
+          <p:cNvSpPr>
+            <a:spLocks noGrp="1"/>
+          </p:cNvSpPr>
+          <p:nvPr>
+            <p:ph idx="1"/>
+          </p:nvPr>
+        </p:nvSpPr>
+        <p:spPr/>
+        <p:txBody>
+          <a:bodyPr/>
+          <a:lstStyle/>
+          <a:p>
+            <a:r>
               <a:rPr lang="en-US" dirty="0"/>
-              <a:t>About Me</a:t>
-            </a:r>
-          </a:p>
-        </p:txBody>
-      </p:sp>
-      <p:sp>
-        <p:nvSpPr>
-          <p:cNvPr id="3" name="Content Placeholder 2">
-            <a:extLst>
-              <a:ext uri="{FF2B5EF4-FFF2-40B4-BE49-F238E27FC236}">
-                <a16:creationId xmlns:a16="http://schemas.microsoft.com/office/drawing/2014/main" id="{2765B945-A7C6-57CC-0C16-5619589E3765}"/>
-              </a:ext>
-            </a:extLst>
-          </p:cNvPr>
-          <p:cNvSpPr>
-            <a:spLocks noGrp="1"/>
-          </p:cNvSpPr>
-          <p:nvPr>
-            <p:ph idx="1"/>
-          </p:nvPr>
-        </p:nvSpPr>
-        <p:spPr/>
-        <p:txBody>
-          <a:bodyPr/>
-          <a:lstStyle/>
+              <a:t>Intro: Why clean data matters for real estate analytics</a:t>
+            </a:r>
+          </a:p>
           <a:p>
             <a:r>
               <a:rPr lang="en-US" dirty="0"/>
-              <a:t>Microsoft Excel MVP and LinkedIn Learning Instructor</a:t>
+              <a:t>The dataset: Sample tenancy schedule from a property brochure</a:t>
             </a:r>
           </a:p>
           <a:p>
             <a:r>
               <a:rPr lang="en-US" dirty="0"/>
-              <a:t>Author of </a:t>
-            </a:r>
-            <a:r>
-              <a:rPr lang="en-US" i="1" dirty="0"/>
-              <a:t>Modern Data Analytics in Excel</a:t>
-            </a:r>
+              <a:t>Data extraction: Getting the table from PDF to Excel</a:t>
+            </a:r>
+          </a:p>
+          <a:p>
             <a:r>
               <a:rPr lang="en-US" dirty="0"/>
-              <a:t> (O’Reilly)</a:t>
-            </a:r>
-          </a:p>
-          <a:p>
+              <a:t>Data cleaning in Power Query:</a:t>
+            </a:r>
+          </a:p>
+          <a:p>
+            <a:pPr lvl="1"/>
             <a:r>
               <a:rPr lang="en-US" dirty="0"/>
-              <a:t>Trainer and consultant for Fortune 500 firms, banks, and real estate professionals</a:t>
-            </a:r>
-          </a:p>
-          <a:p>
+              <a:t>Fixing text and date formats</a:t>
+            </a:r>
+          </a:p>
+          <a:p>
+            <a:pPr lvl="1"/>
             <a:r>
               <a:rPr lang="en-US" dirty="0"/>
-              <a:t>Speaker at Global Excel Summit and other major conferences</a:t>
+              <a:t>Handling blanks and currencies</a:t>
             </a:r>
           </a:p>
           <a:p>
             <a:r>
               <a:rPr lang="en-US" dirty="0"/>
-              <a:t>Founder of </a:t>
-            </a:r>
-            <a:r>
-              <a:rPr lang="en-US" dirty="0" err="1"/>
-              <a:t>Stringfest</a:t>
-            </a:r>
-            <a:r>
-              <a:rPr lang="en-US" dirty="0"/>
-              <a:t> Analytics, helping professionals turn data into clarity and insight</a:t>
-            </a:r>
+              <a:t>Wrap-up &amp; next steps: Prepping for visualization in Part 2</a:t>
+            </a:r>
+            <a:endParaRPr dirty="0"/>
           </a:p>
         </p:txBody>
       </p:sp>
     </p:spTree>
-    <p:extLst>
-      <p:ext uri="{BB962C8B-B14F-4D97-AF65-F5344CB8AC3E}">
-        <p14:creationId xmlns:p14="http://schemas.microsoft.com/office/powerpoint/2010/main" val="668339054"/>
-      </p:ext>
-    </p:extLst>
   </p:cSld>
   <p:clrMapOvr>
     <a:masterClrMapping/>
@@ -3926,7 +3648,13 @@
   <p:cSld>
     <p:spTree>
       <p:nvGrpSpPr>
-        <p:cNvPr id="1" name=""/>
+        <p:cNvPr id="1" name="">
+          <a:extLst>
+            <a:ext uri="{FF2B5EF4-FFF2-40B4-BE49-F238E27FC236}">
+              <a16:creationId xmlns:a16="http://schemas.microsoft.com/office/drawing/2014/main" id="{AD186EDE-D102-19B2-9121-C1A30C57A3B8}"/>
+            </a:ext>
+          </a:extLst>
+        </p:cNvPr>
         <p:cNvGrpSpPr/>
         <p:nvPr/>
       </p:nvGrpSpPr>
@@ -3940,7 +3668,13 @@
       </p:grpSpPr>
       <p:sp>
         <p:nvSpPr>
-          <p:cNvPr id="2" name="Title 1"/>
+          <p:cNvPr id="2" name="Title 1">
+            <a:extLst>
+              <a:ext uri="{FF2B5EF4-FFF2-40B4-BE49-F238E27FC236}">
+                <a16:creationId xmlns:a16="http://schemas.microsoft.com/office/drawing/2014/main" id="{2B86B479-EEA9-F1A2-8880-B9D999914B6B}"/>
+              </a:ext>
+            </a:extLst>
+          </p:cNvPr>
           <p:cNvSpPr>
             <a:spLocks noGrp="1"/>
           </p:cNvSpPr>
@@ -3954,14 +3688,22 @@
           <a:lstStyle/>
           <a:p>
             <a:r>
-              <a:t>From Brochure to Dashboard</a:t>
-            </a:r>
-          </a:p>
-        </p:txBody>
-      </p:sp>
-      <p:sp>
-        <p:nvSpPr>
-          <p:cNvPr id="3" name="Content Placeholder 2"/>
+              <a:rPr lang="en-US" dirty="0"/>
+              <a:t>Why this matters</a:t>
+            </a:r>
+            <a:endParaRPr dirty="0"/>
+          </a:p>
+        </p:txBody>
+      </p:sp>
+      <p:sp>
+        <p:nvSpPr>
+          <p:cNvPr id="3" name="Content Placeholder 2">
+            <a:extLst>
+              <a:ext uri="{FF2B5EF4-FFF2-40B4-BE49-F238E27FC236}">
+                <a16:creationId xmlns:a16="http://schemas.microsoft.com/office/drawing/2014/main" id="{114F5226-D581-1152-BC4D-A5568BF8051C}"/>
+              </a:ext>
+            </a:extLst>
+          </p:cNvPr>
           <p:cNvSpPr>
             <a:spLocks noGrp="1"/>
           </p:cNvSpPr>
@@ -3975,25 +3717,31 @@
           <a:lstStyle/>
           <a:p>
             <a:r>
-              <a:rPr dirty="0"/>
-              <a:t>Starting point: tenancy schedule in a PDF</a:t>
-            </a:r>
-          </a:p>
-          <a:p>
-            <a:r>
-              <a:rPr dirty="0"/>
-              <a:t>Goal: actionable insights on occupancy, rent, and lease risk</a:t>
-            </a:r>
-          </a:p>
-          <a:p>
-            <a:r>
-              <a:rPr dirty="0"/>
-              <a:t>Tools: Power BI Desktop + Power Query</a:t>
-            </a:r>
+              <a:rPr lang="en-US" dirty="0"/>
+              <a:t>Real estate data is messy: leases, rents, occupancy, expiry dates</a:t>
+            </a:r>
+          </a:p>
+          <a:p>
+            <a:r>
+              <a:rPr lang="en-US" dirty="0"/>
+              <a:t>Power BI can make it visual and actionable</a:t>
+            </a:r>
+          </a:p>
+          <a:p>
+            <a:r>
+              <a:rPr lang="en-US" dirty="0"/>
+              <a:t>But first: clean, structured data is the foundation of every great dashboard</a:t>
+            </a:r>
+            <a:endParaRPr dirty="0"/>
           </a:p>
         </p:txBody>
       </p:sp>
     </p:spTree>
+    <p:extLst>
+      <p:ext uri="{BB962C8B-B14F-4D97-AF65-F5344CB8AC3E}">
+        <p14:creationId xmlns:p14="http://schemas.microsoft.com/office/powerpoint/2010/main" val="821552316"/>
+      </p:ext>
+    </p:extLst>
   </p:cSld>
   <p:clrMapOvr>
     <a:masterClrMapping/>
@@ -4034,8 +3782,10 @@
           <a:lstStyle/>
           <a:p>
             <a:r>
-              <a:t>Step 1: Data Cleaning</a:t>
-            </a:r>
+              <a:rPr lang="en-US" dirty="0"/>
+              <a:t>From PDF to Power BI</a:t>
+            </a:r>
+            <a:endParaRPr dirty="0"/>
           </a:p>
         </p:txBody>
       </p:sp>
@@ -4055,21 +3805,22 @@
           <a:lstStyle/>
           <a:p>
             <a:r>
-              <a:rPr dirty="0"/>
-              <a:t>Import tenancy schedule from PDF → CSV/Excel</a:t>
-            </a:r>
-          </a:p>
-          <a:p>
-            <a:r>
-              <a:rPr dirty="0"/>
-              <a:t>Standardize columns (dates, rent values, fit-outs)</a:t>
-            </a:r>
-          </a:p>
-          <a:p>
-            <a:r>
-              <a:rPr dirty="0"/>
-              <a:t>Handle missing values and nulls</a:t>
-            </a:r>
+              <a:rPr lang="en-US" dirty="0"/>
+              <a:t>Use Copilot to extract table data via OCR</a:t>
+            </a:r>
+          </a:p>
+          <a:p>
+            <a:r>
+              <a:rPr lang="en-US" dirty="0"/>
+              <a:t>Save to CSV or Excel, then load into Power BI</a:t>
+            </a:r>
+          </a:p>
+          <a:p>
+            <a:r>
+              <a:rPr lang="en-US" dirty="0"/>
+              <a:t>Open Transform Data to start cleaning in Power Query</a:t>
+            </a:r>
+            <a:endParaRPr dirty="0"/>
           </a:p>
         </p:txBody>
       </p:sp>
@@ -4086,7 +3837,13 @@
   <p:cSld>
     <p:spTree>
       <p:nvGrpSpPr>
-        <p:cNvPr id="1" name=""/>
+        <p:cNvPr id="1" name="">
+          <a:extLst>
+            <a:ext uri="{FF2B5EF4-FFF2-40B4-BE49-F238E27FC236}">
+              <a16:creationId xmlns:a16="http://schemas.microsoft.com/office/drawing/2014/main" id="{DD5FE4A5-8C5B-F13E-E320-A43450A6E755}"/>
+            </a:ext>
+          </a:extLst>
+        </p:cNvPr>
         <p:cNvGrpSpPr/>
         <p:nvPr/>
       </p:nvGrpSpPr>
@@ -4100,7 +3857,13 @@
       </p:grpSpPr>
       <p:sp>
         <p:nvSpPr>
-          <p:cNvPr id="2" name="Title 1"/>
+          <p:cNvPr id="2" name="Title 1">
+            <a:extLst>
+              <a:ext uri="{FF2B5EF4-FFF2-40B4-BE49-F238E27FC236}">
+                <a16:creationId xmlns:a16="http://schemas.microsoft.com/office/drawing/2014/main" id="{2438180E-4EB6-4D03-8F84-CAB02FA8260F}"/>
+              </a:ext>
+            </a:extLst>
+          </p:cNvPr>
           <p:cNvSpPr>
             <a:spLocks noGrp="1"/>
           </p:cNvSpPr>
@@ -4114,14 +3877,22 @@
           <a:lstStyle/>
           <a:p>
             <a:r>
-              <a:t>Step 2: Core KPIs</a:t>
-            </a:r>
-          </a:p>
-        </p:txBody>
-      </p:sp>
-      <p:sp>
-        <p:nvSpPr>
-          <p:cNvPr id="3" name="Content Placeholder 2"/>
+              <a:rPr lang="en-US" dirty="0"/>
+              <a:t>Data cleaning steps</a:t>
+            </a:r>
+            <a:endParaRPr dirty="0"/>
+          </a:p>
+        </p:txBody>
+      </p:sp>
+      <p:sp>
+        <p:nvSpPr>
+          <p:cNvPr id="3" name="Content Placeholder 2">
+            <a:extLst>
+              <a:ext uri="{FF2B5EF4-FFF2-40B4-BE49-F238E27FC236}">
+                <a16:creationId xmlns:a16="http://schemas.microsoft.com/office/drawing/2014/main" id="{0FEFB0AC-ECC7-CB20-73CA-16E7D694F182}"/>
+              </a:ext>
+            </a:extLst>
+          </p:cNvPr>
           <p:cNvSpPr>
             <a:spLocks noGrp="1"/>
           </p:cNvSpPr>
@@ -4135,25 +3906,43 @@
           <a:lstStyle/>
           <a:p>
             <a:r>
-              <a:rPr dirty="0"/>
-              <a:t>Total rent roll</a:t>
-            </a:r>
-          </a:p>
-          <a:p>
-            <a:r>
-              <a:rPr dirty="0"/>
-              <a:t>Weighted average rent per sq ft</a:t>
-            </a:r>
-          </a:p>
-          <a:p>
-            <a:r>
-              <a:rPr dirty="0"/>
-              <a:t>Vacancy rate</a:t>
-            </a:r>
+              <a:rPr lang="en-US" dirty="0"/>
+              <a:t>Simplify columns (e.g. “CAT A” → “A”)</a:t>
+            </a:r>
+          </a:p>
+          <a:p>
+            <a:r>
+              <a:rPr lang="en-US" dirty="0"/>
+              <a:t>Replace dashes with nulls</a:t>
+            </a:r>
+          </a:p>
+          <a:p>
+            <a:r>
+              <a:rPr lang="en-US" dirty="0"/>
+              <a:t>Set UK date formats</a:t>
+            </a:r>
+          </a:p>
+          <a:p>
+            <a:r>
+              <a:rPr lang="en-US" dirty="0"/>
+              <a:t>Convert currency to numeric values</a:t>
+            </a:r>
+          </a:p>
+          <a:p>
+            <a:r>
+              <a:rPr lang="en-US" dirty="0"/>
+              <a:t>Standardize column types</a:t>
+            </a:r>
+            <a:endParaRPr dirty="0"/>
           </a:p>
         </p:txBody>
       </p:sp>
     </p:spTree>
+    <p:extLst>
+      <p:ext uri="{BB962C8B-B14F-4D97-AF65-F5344CB8AC3E}">
+        <p14:creationId xmlns:p14="http://schemas.microsoft.com/office/powerpoint/2010/main" val="3241606103"/>
+      </p:ext>
+    </p:extLst>
   </p:cSld>
   <p:clrMapOvr>
     <a:masterClrMapping/>
@@ -4166,7 +3955,13 @@
   <p:cSld>
     <p:spTree>
       <p:nvGrpSpPr>
-        <p:cNvPr id="1" name=""/>
+        <p:cNvPr id="1" name="">
+          <a:extLst>
+            <a:ext uri="{FF2B5EF4-FFF2-40B4-BE49-F238E27FC236}">
+              <a16:creationId xmlns:a16="http://schemas.microsoft.com/office/drawing/2014/main" id="{FE682855-F04A-740F-407D-52CAD21A2686}"/>
+            </a:ext>
+          </a:extLst>
+        </p:cNvPr>
         <p:cNvGrpSpPr/>
         <p:nvPr/>
       </p:nvGrpSpPr>
@@ -4180,7 +3975,13 @@
       </p:grpSpPr>
       <p:sp>
         <p:nvSpPr>
-          <p:cNvPr id="2" name="Title 1"/>
+          <p:cNvPr id="2" name="Title 1">
+            <a:extLst>
+              <a:ext uri="{FF2B5EF4-FFF2-40B4-BE49-F238E27FC236}">
+                <a16:creationId xmlns:a16="http://schemas.microsoft.com/office/drawing/2014/main" id="{73DA344D-4572-7D5C-CBE1-159CF4EAC020}"/>
+              </a:ext>
+            </a:extLst>
+          </p:cNvPr>
           <p:cNvSpPr>
             <a:spLocks noGrp="1"/>
           </p:cNvSpPr>
@@ -4194,14 +3995,22 @@
           <a:lstStyle/>
           <a:p>
             <a:r>
-              <a:t>Step 3: Interactivity</a:t>
-            </a:r>
-          </a:p>
-        </p:txBody>
-      </p:sp>
-      <p:sp>
-        <p:nvSpPr>
-          <p:cNvPr id="3" name="Content Placeholder 2"/>
+              <a:rPr lang="en-US" dirty="0"/>
+              <a:t>Results and next steps</a:t>
+            </a:r>
+            <a:endParaRPr dirty="0"/>
+          </a:p>
+        </p:txBody>
+      </p:sp>
+      <p:sp>
+        <p:nvSpPr>
+          <p:cNvPr id="3" name="Content Placeholder 2">
+            <a:extLst>
+              <a:ext uri="{FF2B5EF4-FFF2-40B4-BE49-F238E27FC236}">
+                <a16:creationId xmlns:a16="http://schemas.microsoft.com/office/drawing/2014/main" id="{870846B5-940B-8B79-7676-27C6227AD804}"/>
+              </a:ext>
+            </a:extLst>
+          </p:cNvPr>
           <p:cNvSpPr>
             <a:spLocks noGrp="1"/>
           </p:cNvSpPr>
@@ -4215,19 +4024,40 @@
           <a:lstStyle/>
           <a:p>
             <a:r>
-              <a:rPr dirty="0"/>
-              <a:t>Slicer for fit-outs (Cat A vs Cat B)</a:t>
-            </a:r>
-          </a:p>
-          <a:p>
-            <a:r>
-              <a:rPr dirty="0"/>
-              <a:t>Drill-down by tenant, lease terms, etc.</a:t>
-            </a:r>
+              <a:rPr lang="en-US" dirty="0"/>
+              <a:t>A clean, consistent dataset ready for</a:t>
+            </a:r>
+          </a:p>
+          <a:p>
+            <a:pPr lvl="1"/>
+            <a:r>
+              <a:rPr lang="en-US" dirty="0"/>
+              <a:t>Calculations and DAX</a:t>
+            </a:r>
+          </a:p>
+          <a:p>
+            <a:pPr lvl="1"/>
+            <a:r>
+              <a:rPr lang="en-US" dirty="0"/>
+              <a:t>Relationships and KPIs</a:t>
+            </a:r>
+          </a:p>
+          <a:p>
+            <a:pPr lvl="1"/>
+            <a:r>
+              <a:rPr lang="en-US" dirty="0"/>
+              <a:t>Interactive visual dashboards</a:t>
+            </a:r>
+            <a:endParaRPr dirty="0"/>
           </a:p>
         </p:txBody>
       </p:sp>
     </p:spTree>
+    <p:extLst>
+      <p:ext uri="{BB962C8B-B14F-4D97-AF65-F5344CB8AC3E}">
+        <p14:creationId xmlns:p14="http://schemas.microsoft.com/office/powerpoint/2010/main" val="1642612537"/>
+      </p:ext>
+    </p:extLst>
   </p:cSld>
   <p:clrMapOvr>
     <a:masterClrMapping/>
@@ -4268,7 +4098,7 @@
           <a:lstStyle/>
           <a:p>
             <a:r>
-              <a:t>Step 4: Visuals</a:t>
+              <a:t>Wrap-Up</a:t>
             </a:r>
           </a:p>
         </p:txBody>
@@ -4289,21 +4119,22 @@
           <a:lstStyle/>
           <a:p>
             <a:r>
-              <a:rPr dirty="0"/>
-              <a:t>KPI cards across the top</a:t>
-            </a:r>
-          </a:p>
-          <a:p>
-            <a:r>
-              <a:rPr dirty="0"/>
-              <a:t>Gantt chart for lease timelines</a:t>
-            </a:r>
-          </a:p>
-          <a:p>
-            <a:r>
-              <a:rPr dirty="0"/>
-              <a:t>Supporting visuals (rent per sq ft, occupancy trends)</a:t>
-            </a:r>
+              <a:rPr lang="en-US" dirty="0"/>
+              <a:t>Clean data is the foundation of any Power BI dashboard</a:t>
+            </a:r>
+          </a:p>
+          <a:p>
+            <a:r>
+              <a:rPr lang="en-US" dirty="0"/>
+              <a:t>Power Query makes it easy to fix text, dates, and numbers in bulk</a:t>
+            </a:r>
+          </a:p>
+          <a:p>
+            <a:r>
+              <a:rPr lang="en-US" dirty="0"/>
+              <a:t>Small details (like locales and nulls) prevent big reporting errors later</a:t>
+            </a:r>
+            <a:endParaRPr dirty="0"/>
           </a:p>
         </p:txBody>
       </p:sp>
@@ -4320,7 +4151,13 @@
   <p:cSld>
     <p:spTree>
       <p:nvGrpSpPr>
-        <p:cNvPr id="1" name=""/>
+        <p:cNvPr id="1" name="">
+          <a:extLst>
+            <a:ext uri="{FF2B5EF4-FFF2-40B4-BE49-F238E27FC236}">
+              <a16:creationId xmlns:a16="http://schemas.microsoft.com/office/drawing/2014/main" id="{EE47D4E5-D953-E6DC-1439-DFA61E55BE92}"/>
+            </a:ext>
+          </a:extLst>
+        </p:cNvPr>
         <p:cNvGrpSpPr/>
         <p:nvPr/>
       </p:nvGrpSpPr>
@@ -4334,7 +4171,13 @@
       </p:grpSpPr>
       <p:sp>
         <p:nvSpPr>
-          <p:cNvPr id="2" name="Title 1"/>
+          <p:cNvPr id="2" name="Title 1">
+            <a:extLst>
+              <a:ext uri="{FF2B5EF4-FFF2-40B4-BE49-F238E27FC236}">
+                <a16:creationId xmlns:a16="http://schemas.microsoft.com/office/drawing/2014/main" id="{C494DBF6-0435-D370-16EC-70DE83247270}"/>
+              </a:ext>
+            </a:extLst>
+          </p:cNvPr>
           <p:cNvSpPr>
             <a:spLocks noGrp="1"/>
           </p:cNvSpPr>
@@ -4348,14 +4191,22 @@
           <a:lstStyle/>
           <a:p>
             <a:r>
-              <a:t>Wrap-Up</a:t>
-            </a:r>
-          </a:p>
-        </p:txBody>
-      </p:sp>
-      <p:sp>
-        <p:nvSpPr>
-          <p:cNvPr id="3" name="Content Placeholder 2"/>
+              <a:rPr lang="en-US" dirty="0"/>
+              <a:t>Let’s Connect</a:t>
+            </a:r>
+            <a:endParaRPr dirty="0"/>
+          </a:p>
+        </p:txBody>
+      </p:sp>
+      <p:sp>
+        <p:nvSpPr>
+          <p:cNvPr id="3" name="Content Placeholder 2">
+            <a:extLst>
+              <a:ext uri="{FF2B5EF4-FFF2-40B4-BE49-F238E27FC236}">
+                <a16:creationId xmlns:a16="http://schemas.microsoft.com/office/drawing/2014/main" id="{053C7930-F1FD-05F0-D0EC-440FC1495750}"/>
+              </a:ext>
+            </a:extLst>
+          </p:cNvPr>
           <p:cNvSpPr>
             <a:spLocks noGrp="1"/>
           </p:cNvSpPr>
@@ -4368,26 +4219,42 @@
           <a:bodyPr/>
           <a:lstStyle/>
           <a:p>
-            <a:r>
-              <a:rPr dirty="0"/>
-              <a:t>Clean → Model → Visualize → Insight</a:t>
-            </a:r>
-          </a:p>
-          <a:p>
-            <a:r>
-              <a:rPr dirty="0"/>
-              <a:t>From static PDF to interactive dashboard</a:t>
-            </a:r>
-          </a:p>
-          <a:p>
-            <a:r>
-              <a:rPr dirty="0"/>
-              <a:t>Foundation for deeper real estate analytics</a:t>
-            </a:r>
+            <a:pPr marL="0" indent="0">
+              <a:buNone/>
+            </a:pPr>
+            <a:r>
+              <a:rPr lang="en-US" dirty="0"/>
+              <a:t>📩 </a:t>
+            </a:r>
+            <a:r>
+              <a:rPr lang="en-US" b="1" dirty="0"/>
+              <a:t>george@stringfestanalytics.com</a:t>
+            </a:r>
+            <a:br>
+              <a:rPr lang="en-US" dirty="0"/>
+            </a:br>
+            <a:r>
+              <a:rPr lang="en-US" dirty="0"/>
+              <a:t>🔗 </a:t>
+            </a:r>
+            <a:r>
+              <a:rPr lang="en-US" b="1" dirty="0"/>
+              <a:t>linkedin.com/in/</a:t>
+            </a:r>
+            <a:r>
+              <a:rPr lang="en-US" b="1" dirty="0" err="1"/>
+              <a:t>gjmount</a:t>
+            </a:r>
+            <a:endParaRPr lang="en-US" dirty="0"/>
           </a:p>
         </p:txBody>
       </p:sp>
     </p:spTree>
+    <p:extLst>
+      <p:ext uri="{BB962C8B-B14F-4D97-AF65-F5344CB8AC3E}">
+        <p14:creationId xmlns:p14="http://schemas.microsoft.com/office/powerpoint/2010/main" val="2036694494"/>
+      </p:ext>
+    </p:extLst>
   </p:cSld>
   <p:clrMapOvr>
     <a:masterClrMapping/>
